--- a/Fall2018 Lecture Notes/Chapter 6 Lecture.pptx
+++ b/Fall2018 Lecture Notes/Chapter 6 Lecture.pptx
@@ -35,12 +35,12 @@
     <p:sldId id="296" r:id="rId23"/>
     <p:sldId id="297" r:id="rId24"/>
     <p:sldId id="310" r:id="rId25"/>
-    <p:sldId id="299" r:id="rId26"/>
-    <p:sldId id="298" r:id="rId27"/>
-    <p:sldId id="302" r:id="rId28"/>
-    <p:sldId id="301" r:id="rId29"/>
-    <p:sldId id="303" r:id="rId30"/>
-    <p:sldId id="311" r:id="rId31"/>
+    <p:sldId id="312" r:id="rId26"/>
+    <p:sldId id="299" r:id="rId27"/>
+    <p:sldId id="298" r:id="rId28"/>
+    <p:sldId id="302" r:id="rId29"/>
+    <p:sldId id="301" r:id="rId30"/>
+    <p:sldId id="303" r:id="rId31"/>
     <p:sldId id="304" r:id="rId32"/>
     <p:sldId id="274" r:id="rId33"/>
     <p:sldId id="285" r:id="rId34"/>
@@ -2097,7 +2097,7 @@
                 <a:cs typeface="Geneva"/>
               </a:rPr>
               <a:pPr/>
-              <a:t>25</a:t>
+              <a:t>26</a:t>
             </a:fld>
             <a:endParaRPr lang="en-US">
               <a:latin typeface="Lucida Grande"/>
@@ -2199,7 +2199,7 @@
                 <a:cs typeface="Geneva"/>
               </a:rPr>
               <a:pPr/>
-              <a:t>26</a:t>
+              <a:t>27</a:t>
             </a:fld>
             <a:endParaRPr lang="en-US">
               <a:latin typeface="Lucida Grande"/>
@@ -2301,7 +2301,7 @@
                 <a:cs typeface="Geneva"/>
               </a:rPr>
               <a:pPr/>
-              <a:t>27</a:t>
+              <a:t>28</a:t>
             </a:fld>
             <a:endParaRPr lang="en-US">
               <a:latin typeface="Lucida Grande"/>
@@ -2403,7 +2403,7 @@
                 <a:cs typeface="Geneva"/>
               </a:rPr>
               <a:pPr/>
-              <a:t>28</a:t>
+              <a:t>29</a:t>
             </a:fld>
             <a:endParaRPr lang="en-US">
               <a:latin typeface="Lucida Grande"/>
@@ -2505,7 +2505,7 @@
                 <a:cs typeface="Geneva"/>
               </a:rPr>
               <a:pPr/>
-              <a:t>29</a:t>
+              <a:t>30</a:t>
             </a:fld>
             <a:endParaRPr lang="en-US">
               <a:latin typeface="Lucida Grande"/>
@@ -8257,7 +8257,7 @@
                       <a:noFill/>
                       <a:extLst>
                         <a:ext uri="{909E8E84-426E-40dd-AFC4-6F175D3DCCD1}">
-                          <a14:hiddenFill xmlns:a14="http://schemas.microsoft.com/office/drawing/2010/main" xmlns="">
+                          <a14:hiddenFill xmlns="" xmlns:a14="http://schemas.microsoft.com/office/drawing/2010/main">
                             <a:solidFill>
                               <a:srgbClr val="FFFFFF"/>
                             </a:solidFill>
@@ -8757,7 +8757,7 @@
                       <a:noFill/>
                       <a:extLst>
                         <a:ext uri="{909E8E84-426E-40dd-AFC4-6F175D3DCCD1}">
-                          <a14:hiddenFill xmlns:a14="http://schemas.microsoft.com/office/drawing/2010/main" xmlns="">
+                          <a14:hiddenFill xmlns="" xmlns:a14="http://schemas.microsoft.com/office/drawing/2010/main">
                             <a:solidFill>
                               <a:srgbClr val="FFFFFF"/>
                             </a:solidFill>
@@ -8910,7 +8910,7 @@
                       <a:noFill/>
                       <a:extLst>
                         <a:ext uri="{909E8E84-426E-40dd-AFC4-6F175D3DCCD1}">
-                          <a14:hiddenFill xmlns:a14="http://schemas.microsoft.com/office/drawing/2010/main" xmlns="">
+                          <a14:hiddenFill xmlns="" xmlns:a14="http://schemas.microsoft.com/office/drawing/2010/main">
                             <a:solidFill>
                               <a:srgbClr val="FFFFFF"/>
                             </a:solidFill>
@@ -9617,14 +9617,25 @@
           <a:lstStyle/>
           <a:p>
             <a:r>
+              <a:rPr lang="en-US" dirty="0"/>
+              <a:t>Getting a </a:t>
+            </a:r>
+            <a:r>
               <a:rPr lang="en-US" i="1" dirty="0"/>
-              <a:t>R</a:t>
+              <a:t>p</a:t>
             </a:r>
             <a:r>
               <a:rPr lang="en-US" dirty="0"/>
-              <a:t> Curves</a:t>
-            </a:r>
-            <a:endParaRPr lang="en-US" i="1" dirty="0"/>
+              <a:t> value from a </a:t>
+            </a:r>
+            <a:r>
+              <a:rPr lang="en-US" i="1" dirty="0"/>
+              <a:t>z </a:t>
+            </a:r>
+            <a:r>
+              <a:rPr lang="en-US" dirty="0"/>
+              <a:t>score</a:t>
+            </a:r>
           </a:p>
         </p:txBody>
       </p:sp>
@@ -9635,7 +9646,7 @@
             <a:spLocks noGrp="1"/>
           </p:cNvSpPr>
           <p:nvPr>
-            <p:ph idx="1"/>
+            <p:ph sz="half" idx="1"/>
           </p:nvPr>
         </p:nvSpPr>
         <p:spPr/>
@@ -9653,18 +9664,7 @@
             </a:r>
             <a:r>
               <a:rPr lang="en-US" dirty="0"/>
-              <a:t> value from a z score:</a:t>
-            </a:r>
-          </a:p>
-          <a:p>
-            <a:pPr lvl="1"/>
-            <a:r>
-              <a:rPr lang="en-US" dirty="0" err="1"/>
-              <a:t>pnorm</a:t>
-            </a:r>
-            <a:r>
-              <a:rPr lang="en-US" dirty="0"/>
-              <a:t>(</a:t>
+              <a:t> value from a </a:t>
             </a:r>
             <a:r>
               <a:rPr lang="en-US" i="1" dirty="0"/>
@@ -9672,38 +9672,93 @@
             </a:r>
             <a:r>
               <a:rPr lang="en-US" dirty="0"/>
-              <a:t>, </a:t>
-            </a:r>
-            <a:r>
-              <a:rPr lang="en-US" dirty="0" err="1"/>
-              <a:t>lower.tail</a:t>
-            </a:r>
+              <a:t> score:</a:t>
+            </a:r>
+          </a:p>
+          <a:p>
+            <a:pPr lvl="1"/>
             <a:r>
               <a:rPr lang="en-US" dirty="0"/>
-              <a:t> = </a:t>
-            </a:r>
+              <a:t>Find your z score on the table </a:t>
+            </a:r>
+            <a:r>
+              <a:rPr lang="en-US" dirty="0">
+                <a:sym typeface="Wingdings" panose="05000000000000000000" pitchFamily="2" charset="2"/>
+              </a:rPr>
+              <a:t> % in tail</a:t>
+            </a:r>
+          </a:p>
+          <a:p>
+            <a:pPr lvl="1"/>
             <a:r>
               <a:rPr lang="en-US" i="1" dirty="0"/>
-              <a:t>F</a:t>
+              <a:t>p</a:t>
             </a:r>
             <a:r>
               <a:rPr lang="en-US" dirty="0"/>
-              <a:t>)</a:t>
+              <a:t> value = % in tail / 100</a:t>
             </a:r>
           </a:p>
           <a:p>
             <a:pPr lvl="1"/>
             <a:r>
-              <a:rPr lang="en-US" dirty="0" err="1"/>
-              <a:t>lower.tail</a:t>
-            </a:r>
-            <a:r>
               <a:rPr lang="en-US" dirty="0"/>
-              <a:t> depends on what you want (options are T or F)</a:t>
-            </a:r>
-          </a:p>
-        </p:txBody>
-      </p:sp>
+              <a:t>e.g., the </a:t>
+            </a:r>
+            <a:r>
+              <a:rPr lang="en-US" i="1" dirty="0"/>
+              <a:t>p</a:t>
+            </a:r>
+            <a:r>
+              <a:rPr lang="en-US" dirty="0"/>
+              <a:t> value for a </a:t>
+            </a:r>
+            <a:r>
+              <a:rPr lang="en-US" i="1" dirty="0"/>
+              <a:t>z</a:t>
+            </a:r>
+            <a:r>
+              <a:rPr lang="en-US" dirty="0"/>
+              <a:t> score of 1.28 would be .100</a:t>
+            </a:r>
+          </a:p>
+          <a:p>
+            <a:endParaRPr lang="en-US" dirty="0"/>
+          </a:p>
+        </p:txBody>
+      </p:sp>
+      <p:pic>
+        <p:nvPicPr>
+          <p:cNvPr id="8" name="Content Placeholder 7">
+            <a:extLst>
+              <a:ext uri="{FF2B5EF4-FFF2-40B4-BE49-F238E27FC236}">
+                <a16:creationId xmlns:a16="http://schemas.microsoft.com/office/drawing/2014/main" id="{2F40617D-2739-4AA3-B315-378A3EFF5DF5}"/>
+              </a:ext>
+            </a:extLst>
+          </p:cNvPr>
+          <p:cNvPicPr>
+            <a:picLocks noGrp="1" noChangeAspect="1"/>
+          </p:cNvPicPr>
+          <p:nvPr>
+            <p:ph sz="half" idx="2"/>
+          </p:nvPr>
+        </p:nvPicPr>
+        <p:blipFill>
+          <a:blip r:embed="rId2"/>
+          <a:stretch>
+            <a:fillRect/>
+          </a:stretch>
+        </p:blipFill>
+        <p:spPr>
+          <a:xfrm>
+            <a:off x="5024437" y="2500313"/>
+            <a:ext cx="2981325" cy="2714625"/>
+          </a:xfrm>
+          <a:prstGeom prst="rect">
+            <a:avLst/>
+          </a:prstGeom>
+        </p:spPr>
+      </p:pic>
     </p:spTree>
     <p:extLst>
       <p:ext uri="{BB962C8B-B14F-4D97-AF65-F5344CB8AC3E}">
@@ -9736,78 +9791,197 @@
       </p:grpSpPr>
       <p:sp>
         <p:nvSpPr>
-          <p:cNvPr id="2" name="Title 1">
+          <p:cNvPr id="2" name="Title 1"/>
+          <p:cNvSpPr>
+            <a:spLocks noGrp="1"/>
+          </p:cNvSpPr>
+          <p:nvPr>
+            <p:ph type="title"/>
+          </p:nvPr>
+        </p:nvSpPr>
+        <p:spPr/>
+        <p:txBody>
+          <a:bodyPr/>
+          <a:lstStyle/>
+          <a:p>
+            <a:r>
+              <a:rPr lang="en-US" dirty="0"/>
+              <a:t>Getting a </a:t>
+            </a:r>
+            <a:r>
+              <a:rPr lang="en-US" i="1" dirty="0"/>
+              <a:t>z </a:t>
+            </a:r>
+            <a:r>
+              <a:rPr lang="en-US" dirty="0"/>
+              <a:t>score from a </a:t>
+            </a:r>
+            <a:r>
+              <a:rPr lang="en-US" i="1" dirty="0"/>
+              <a:t>p </a:t>
+            </a:r>
+            <a:r>
+              <a:rPr lang="en-US" dirty="0"/>
+              <a:t>value</a:t>
+            </a:r>
+          </a:p>
+        </p:txBody>
+      </p:sp>
+      <p:sp>
+        <p:nvSpPr>
+          <p:cNvPr id="3" name="Content Placeholder 2"/>
+          <p:cNvSpPr>
+            <a:spLocks noGrp="1"/>
+          </p:cNvSpPr>
+          <p:nvPr>
+            <p:ph sz="half" idx="1"/>
+          </p:nvPr>
+        </p:nvSpPr>
+        <p:spPr/>
+        <p:txBody>
+          <a:bodyPr/>
+          <a:lstStyle/>
+          <a:p>
+            <a:r>
+              <a:rPr lang="en-US" dirty="0"/>
+              <a:t>To get a</a:t>
+            </a:r>
+            <a:r>
+              <a:rPr lang="en-US" i="1" dirty="0"/>
+              <a:t> z </a:t>
+            </a:r>
+            <a:r>
+              <a:rPr lang="en-US" dirty="0"/>
+              <a:t>score from a </a:t>
+            </a:r>
+            <a:r>
+              <a:rPr lang="en-US" i="1" dirty="0"/>
+              <a:t>p</a:t>
+            </a:r>
+            <a:r>
+              <a:rPr lang="en-US" dirty="0"/>
+              <a:t> value:</a:t>
+            </a:r>
+          </a:p>
+          <a:p>
+            <a:pPr lvl="1"/>
+            <a:r>
+              <a:rPr lang="en-US" dirty="0"/>
+              <a:t>Calculate the % in tail from your </a:t>
+            </a:r>
+            <a:r>
+              <a:rPr lang="en-US" i="1" dirty="0"/>
+              <a:t>p </a:t>
+            </a:r>
+            <a:r>
+              <a:rPr lang="en-US" dirty="0"/>
+              <a:t>value</a:t>
+            </a:r>
+          </a:p>
+          <a:p>
+            <a:pPr lvl="2"/>
+            <a:r>
+              <a:rPr lang="en-US" dirty="0"/>
+              <a:t>% in tail = </a:t>
+            </a:r>
+            <a:r>
+              <a:rPr lang="en-US" i="1" dirty="0"/>
+              <a:t>p</a:t>
+            </a:r>
+            <a:r>
+              <a:rPr lang="en-US" dirty="0"/>
+              <a:t> value * 100</a:t>
+            </a:r>
+          </a:p>
+          <a:p>
+            <a:pPr lvl="1"/>
+            <a:r>
+              <a:rPr lang="en-US" dirty="0"/>
+              <a:t>Find your </a:t>
+            </a:r>
+            <a:r>
+              <a:rPr lang="en-US" dirty="0">
+                <a:sym typeface="Wingdings" panose="05000000000000000000" pitchFamily="2" charset="2"/>
+              </a:rPr>
+              <a:t>% in tail on the table  </a:t>
+            </a:r>
+            <a:r>
+              <a:rPr lang="en-US" i="1" dirty="0">
+                <a:sym typeface="Wingdings" panose="05000000000000000000" pitchFamily="2" charset="2"/>
+              </a:rPr>
+              <a:t>z</a:t>
+            </a:r>
+            <a:r>
+              <a:rPr lang="en-US" dirty="0">
+                <a:sym typeface="Wingdings" panose="05000000000000000000" pitchFamily="2" charset="2"/>
+              </a:rPr>
+              <a:t> score </a:t>
+            </a:r>
+          </a:p>
+          <a:p>
+            <a:pPr lvl="1"/>
+            <a:r>
+              <a:rPr lang="en-US" dirty="0"/>
+              <a:t>e.g., the </a:t>
+            </a:r>
+            <a:r>
+              <a:rPr lang="en-US" i="1" dirty="0"/>
+              <a:t>z</a:t>
+            </a:r>
+            <a:r>
+              <a:rPr lang="en-US" dirty="0"/>
+              <a:t> score for a </a:t>
+            </a:r>
+            <a:r>
+              <a:rPr lang="en-US" i="1" dirty="0"/>
+              <a:t>p</a:t>
+            </a:r>
+            <a:r>
+              <a:rPr lang="en-US" dirty="0"/>
+              <a:t> value of .03 would be 1.88</a:t>
+            </a:r>
+          </a:p>
+          <a:p>
+            <a:endParaRPr lang="en-US" dirty="0"/>
+          </a:p>
+        </p:txBody>
+      </p:sp>
+      <p:pic>
+        <p:nvPicPr>
+          <p:cNvPr id="10" name="Content Placeholder 9">
             <a:extLst>
               <a:ext uri="{FF2B5EF4-FFF2-40B4-BE49-F238E27FC236}">
-                <a16:creationId xmlns:a16="http://schemas.microsoft.com/office/drawing/2014/main" id="{8D63C948-A551-44E4-B001-EFA85CBE5BB2}"/>
-              </a:ext>
-            </a:extLst>
-          </p:cNvPr>
-          <p:cNvSpPr>
-            <a:spLocks noGrp="1"/>
-          </p:cNvSpPr>
-          <p:nvPr>
-            <p:ph type="title"/>
-          </p:nvPr>
-        </p:nvSpPr>
-        <p:spPr/>
-        <p:txBody>
-          <a:bodyPr>
-            <a:normAutofit/>
-          </a:bodyPr>
-          <a:lstStyle/>
-          <a:p>
-            <a:r>
-              <a:rPr lang="en-US" dirty="0"/>
-              <a:t>Calculating the Percentage Above a Positive z Score</a:t>
-            </a:r>
-          </a:p>
-        </p:txBody>
-      </p:sp>
-      <p:pic>
-        <p:nvPicPr>
-          <p:cNvPr id="7" name="Picture 4" descr="Nolan_fig08_03">
-            <a:extLst>
-              <a:ext uri="{FF2B5EF4-FFF2-40B4-BE49-F238E27FC236}">
-                <a16:creationId xmlns:a16="http://schemas.microsoft.com/office/drawing/2014/main" id="{11C99CA7-30A3-4C76-9AB5-2F3C3F843FCE}"/>
+                <a16:creationId xmlns:a16="http://schemas.microsoft.com/office/drawing/2014/main" id="{B0C5C5CA-D38B-4BD0-892B-148B2450477F}"/>
               </a:ext>
             </a:extLst>
           </p:cNvPr>
           <p:cNvPicPr>
-            <a:picLocks noGrp="1" noChangeAspect="1" noChangeArrowheads="1"/>
+            <a:picLocks noGrp="1" noChangeAspect="1"/>
           </p:cNvPicPr>
           <p:nvPr>
-            <p:ph idx="1"/>
+            <p:ph sz="half" idx="2"/>
           </p:nvPr>
         </p:nvPicPr>
         <p:blipFill>
-          <a:blip r:embed="rId3"/>
-          <a:srcRect/>
+          <a:blip r:embed="rId2"/>
           <a:stretch>
             <a:fillRect/>
           </a:stretch>
         </p:blipFill>
-        <p:spPr bwMode="auto">
+        <p:spPr>
           <a:xfrm>
-            <a:off x="768486" y="2148965"/>
-            <a:ext cx="7652747" cy="3658013"/>
+            <a:off x="4976812" y="2667000"/>
+            <a:ext cx="3076575" cy="2381250"/>
           </a:xfrm>
           <a:prstGeom prst="rect">
             <a:avLst/>
           </a:prstGeom>
-          <a:noFill/>
-          <a:ln w="9525">
-            <a:noFill/>
-            <a:miter lim="800000"/>
-            <a:headEnd/>
-            <a:tailEnd/>
-          </a:ln>
         </p:spPr>
       </p:pic>
     </p:spTree>
     <p:extLst>
       <p:ext uri="{BB962C8B-B14F-4D97-AF65-F5344CB8AC3E}">
-        <p14:creationId xmlns:p14="http://schemas.microsoft.com/office/powerpoint/2010/main" val="3118455659"/>
+        <p14:creationId xmlns:p14="http://schemas.microsoft.com/office/powerpoint/2010/main" val="3646762882"/>
       </p:ext>
     </p:extLst>
   </p:cSld>
@@ -9839,7 +10013,7 @@
           <p:cNvPr id="2" name="Title 1">
             <a:extLst>
               <a:ext uri="{FF2B5EF4-FFF2-40B4-BE49-F238E27FC236}">
-                <a16:creationId xmlns:a16="http://schemas.microsoft.com/office/drawing/2014/main" id="{6B0DCC4E-D58A-422D-B7F2-15201BF717A4}"/>
+                <a16:creationId xmlns:a16="http://schemas.microsoft.com/office/drawing/2014/main" id="{8D63C948-A551-44E4-B001-EFA85CBE5BB2}"/>
               </a:ext>
             </a:extLst>
           </p:cNvPr>
@@ -9859,17 +10033,17 @@
           <a:p>
             <a:r>
               <a:rPr lang="en-US" dirty="0"/>
-              <a:t>Calculating the Percentile for a Positive z Score</a:t>
+              <a:t>Calculating the Percentage Above a Positive z Score</a:t>
             </a:r>
           </a:p>
         </p:txBody>
       </p:sp>
       <p:pic>
         <p:nvPicPr>
-          <p:cNvPr id="7" name="Picture 4" descr="Nolan_fig08_02">
+          <p:cNvPr id="7" name="Picture 4" descr="Nolan_fig08_03">
             <a:extLst>
               <a:ext uri="{FF2B5EF4-FFF2-40B4-BE49-F238E27FC236}">
-                <a16:creationId xmlns:a16="http://schemas.microsoft.com/office/drawing/2014/main" id="{E0F89920-033B-4838-B70E-D0026C0D7239}"/>
+                <a16:creationId xmlns:a16="http://schemas.microsoft.com/office/drawing/2014/main" id="{11C99CA7-30A3-4C76-9AB5-2F3C3F843FCE}"/>
               </a:ext>
             </a:extLst>
           </p:cNvPr>
@@ -9889,8 +10063,8 @@
         </p:blipFill>
         <p:spPr bwMode="auto">
           <a:xfrm>
-            <a:off x="860978" y="2362200"/>
-            <a:ext cx="7505782" cy="3505200"/>
+            <a:off x="768486" y="2148965"/>
+            <a:ext cx="7652747" cy="3658013"/>
           </a:xfrm>
           <a:prstGeom prst="rect">
             <a:avLst/>
@@ -9907,7 +10081,7 @@
     </p:spTree>
     <p:extLst>
       <p:ext uri="{BB962C8B-B14F-4D97-AF65-F5344CB8AC3E}">
-        <p14:creationId xmlns:p14="http://schemas.microsoft.com/office/powerpoint/2010/main" val="3579120868"/>
+        <p14:creationId xmlns:p14="http://schemas.microsoft.com/office/powerpoint/2010/main" val="3118455659"/>
       </p:ext>
     </p:extLst>
   </p:cSld>
@@ -9939,7 +10113,7 @@
           <p:cNvPr id="2" name="Title 1">
             <a:extLst>
               <a:ext uri="{FF2B5EF4-FFF2-40B4-BE49-F238E27FC236}">
-                <a16:creationId xmlns:a16="http://schemas.microsoft.com/office/drawing/2014/main" id="{FA2F38B2-5DFD-4405-BA89-ADD2057C1E4F}"/>
+                <a16:creationId xmlns:a16="http://schemas.microsoft.com/office/drawing/2014/main" id="{6B0DCC4E-D58A-422D-B7F2-15201BF717A4}"/>
               </a:ext>
             </a:extLst>
           </p:cNvPr>
@@ -9959,17 +10133,17 @@
           <a:p>
             <a:r>
               <a:rPr lang="en-US" dirty="0"/>
-              <a:t>Calculating the Percentage Above a Negative z Score</a:t>
+              <a:t>Calculating the Percentile for a Positive z Score</a:t>
             </a:r>
           </a:p>
         </p:txBody>
       </p:sp>
       <p:pic>
         <p:nvPicPr>
-          <p:cNvPr id="7" name="Picture 4" descr="Nolan_fig08_06">
+          <p:cNvPr id="7" name="Picture 4" descr="Nolan_fig08_02">
             <a:extLst>
               <a:ext uri="{FF2B5EF4-FFF2-40B4-BE49-F238E27FC236}">
-                <a16:creationId xmlns:a16="http://schemas.microsoft.com/office/drawing/2014/main" id="{9FC5C98A-0B21-4076-9490-341A7E728F04}"/>
+                <a16:creationId xmlns:a16="http://schemas.microsoft.com/office/drawing/2014/main" id="{E0F89920-033B-4838-B70E-D0026C0D7239}"/>
               </a:ext>
             </a:extLst>
           </p:cNvPr>
@@ -9989,8 +10163,8 @@
         </p:blipFill>
         <p:spPr bwMode="auto">
           <a:xfrm>
-            <a:off x="653916" y="2209800"/>
-            <a:ext cx="7881887" cy="3680841"/>
+            <a:off x="860978" y="2362200"/>
+            <a:ext cx="7505782" cy="3505200"/>
           </a:xfrm>
           <a:prstGeom prst="rect">
             <a:avLst/>
@@ -10007,7 +10181,7 @@
     </p:spTree>
     <p:extLst>
       <p:ext uri="{BB962C8B-B14F-4D97-AF65-F5344CB8AC3E}">
-        <p14:creationId xmlns:p14="http://schemas.microsoft.com/office/powerpoint/2010/main" val="564329521"/>
+        <p14:creationId xmlns:p14="http://schemas.microsoft.com/office/powerpoint/2010/main" val="3579120868"/>
       </p:ext>
     </p:extLst>
   </p:cSld>
@@ -10039,7 +10213,7 @@
           <p:cNvPr id="2" name="Title 1">
             <a:extLst>
               <a:ext uri="{FF2B5EF4-FFF2-40B4-BE49-F238E27FC236}">
-                <a16:creationId xmlns:a16="http://schemas.microsoft.com/office/drawing/2014/main" id="{5D6670CA-0539-43CA-8F49-FDA858CE07CF}"/>
+                <a16:creationId xmlns:a16="http://schemas.microsoft.com/office/drawing/2014/main" id="{FA2F38B2-5DFD-4405-BA89-ADD2057C1E4F}"/>
               </a:ext>
             </a:extLst>
           </p:cNvPr>
@@ -10059,17 +10233,17 @@
           <a:p>
             <a:r>
               <a:rPr lang="en-US" dirty="0"/>
-              <a:t>Calculating the Percentile for a Negative z Score</a:t>
+              <a:t>Calculating the Percentage Above a Negative z Score</a:t>
             </a:r>
           </a:p>
         </p:txBody>
       </p:sp>
       <p:pic>
         <p:nvPicPr>
-          <p:cNvPr id="7" name="Picture 4" descr="Nolan_fig08_05">
+          <p:cNvPr id="7" name="Picture 4" descr="Nolan_fig08_06">
             <a:extLst>
               <a:ext uri="{FF2B5EF4-FFF2-40B4-BE49-F238E27FC236}">
-                <a16:creationId xmlns:a16="http://schemas.microsoft.com/office/drawing/2014/main" id="{7F3B346E-0B2C-418A-A0E1-34847AEA41FD}"/>
+                <a16:creationId xmlns:a16="http://schemas.microsoft.com/office/drawing/2014/main" id="{9FC5C98A-0B21-4076-9490-341A7E728F04}"/>
               </a:ext>
             </a:extLst>
           </p:cNvPr>
@@ -10089,8 +10263,8 @@
         </p:blipFill>
         <p:spPr bwMode="auto">
           <a:xfrm>
-            <a:off x="1066800" y="2209800"/>
-            <a:ext cx="7229210" cy="3376041"/>
+            <a:off x="653916" y="2209800"/>
+            <a:ext cx="7881887" cy="3680841"/>
           </a:xfrm>
           <a:prstGeom prst="rect">
             <a:avLst/>
@@ -10107,7 +10281,7 @@
     </p:spTree>
     <p:extLst>
       <p:ext uri="{BB962C8B-B14F-4D97-AF65-F5344CB8AC3E}">
-        <p14:creationId xmlns:p14="http://schemas.microsoft.com/office/powerpoint/2010/main" val="3103084282"/>
+        <p14:creationId xmlns:p14="http://schemas.microsoft.com/office/powerpoint/2010/main" val="564329521"/>
       </p:ext>
     </p:extLst>
   </p:cSld>
@@ -10139,7 +10313,7 @@
           <p:cNvPr id="2" name="Title 1">
             <a:extLst>
               <a:ext uri="{FF2B5EF4-FFF2-40B4-BE49-F238E27FC236}">
-                <a16:creationId xmlns:a16="http://schemas.microsoft.com/office/drawing/2014/main" id="{F37C061A-CB8B-4C26-8637-5390410206AD}"/>
+                <a16:creationId xmlns:a16="http://schemas.microsoft.com/office/drawing/2014/main" id="{5D6670CA-0539-43CA-8F49-FDA858CE07CF}"/>
               </a:ext>
             </a:extLst>
           </p:cNvPr>
@@ -10153,23 +10327,23 @@
         <p:spPr/>
         <p:txBody>
           <a:bodyPr>
-            <a:normAutofit fontScale="90000"/>
+            <a:normAutofit/>
           </a:bodyPr>
           <a:lstStyle/>
           <a:p>
             <a:r>
               <a:rPr lang="en-US" dirty="0"/>
-              <a:t>Calculating the Percentage at Least as Extreme as Our z Score</a:t>
+              <a:t>Calculating the Percentile for a Negative z Score</a:t>
             </a:r>
           </a:p>
         </p:txBody>
       </p:sp>
       <p:pic>
         <p:nvPicPr>
-          <p:cNvPr id="7" name="Picture 4" descr="Nolan_fig08_07">
+          <p:cNvPr id="7" name="Picture 4" descr="Nolan_fig08_05">
             <a:extLst>
               <a:ext uri="{FF2B5EF4-FFF2-40B4-BE49-F238E27FC236}">
-                <a16:creationId xmlns:a16="http://schemas.microsoft.com/office/drawing/2014/main" id="{BFAB9CF6-0B98-4E5B-967D-10EF5C64001A}"/>
+                <a16:creationId xmlns:a16="http://schemas.microsoft.com/office/drawing/2014/main" id="{7F3B346E-0B2C-418A-A0E1-34847AEA41FD}"/>
               </a:ext>
             </a:extLst>
           </p:cNvPr>
@@ -10189,8 +10363,8 @@
         </p:blipFill>
         <p:spPr bwMode="auto">
           <a:xfrm>
-            <a:off x="762015" y="2204475"/>
-            <a:ext cx="7588180" cy="3543680"/>
+            <a:off x="1066800" y="2209800"/>
+            <a:ext cx="7229210" cy="3376041"/>
           </a:xfrm>
           <a:prstGeom prst="rect">
             <a:avLst/>
@@ -10207,7 +10381,7 @@
     </p:spTree>
     <p:extLst>
       <p:ext uri="{BB962C8B-B14F-4D97-AF65-F5344CB8AC3E}">
-        <p14:creationId xmlns:p14="http://schemas.microsoft.com/office/powerpoint/2010/main" val="1658630723"/>
+        <p14:creationId xmlns:p14="http://schemas.microsoft.com/office/powerpoint/2010/main" val="3103084282"/>
       </p:ext>
     </p:extLst>
   </p:cSld>
@@ -10366,7 +10540,13 @@
       </p:grpSpPr>
       <p:sp>
         <p:nvSpPr>
-          <p:cNvPr id="2" name="Title 1"/>
+          <p:cNvPr id="2" name="Title 1">
+            <a:extLst>
+              <a:ext uri="{FF2B5EF4-FFF2-40B4-BE49-F238E27FC236}">
+                <a16:creationId xmlns:a16="http://schemas.microsoft.com/office/drawing/2014/main" id="{F37C061A-CB8B-4C26-8637-5390410206AD}"/>
+              </a:ext>
+            </a:extLst>
+          </p:cNvPr>
           <p:cNvSpPr>
             <a:spLocks noGrp="1"/>
           </p:cNvSpPr>
@@ -10376,100 +10556,62 @@
         </p:nvSpPr>
         <p:spPr/>
         <p:txBody>
-          <a:bodyPr/>
-          <a:lstStyle/>
-          <a:p>
-            <a:r>
-              <a:rPr lang="en-US" i="1" dirty="0"/>
-              <a:t>R</a:t>
-            </a:r>
+          <a:bodyPr>
+            <a:normAutofit fontScale="90000"/>
+          </a:bodyPr>
+          <a:lstStyle/>
+          <a:p>
             <a:r>
               <a:rPr lang="en-US" dirty="0"/>
-              <a:t> Curves</a:t>
-            </a:r>
-            <a:endParaRPr lang="en-US" i="1" dirty="0"/>
-          </a:p>
-        </p:txBody>
-      </p:sp>
-      <p:sp>
-        <p:nvSpPr>
-          <p:cNvPr id="3" name="Content Placeholder 2"/>
-          <p:cNvSpPr>
-            <a:spLocks noGrp="1"/>
-          </p:cNvSpPr>
+              <a:t>Calculating the Percentage at Least as Extreme as Our z Score</a:t>
+            </a:r>
+          </a:p>
+        </p:txBody>
+      </p:sp>
+      <p:pic>
+        <p:nvPicPr>
+          <p:cNvPr id="7" name="Picture 4" descr="Nolan_fig08_07">
+            <a:extLst>
+              <a:ext uri="{FF2B5EF4-FFF2-40B4-BE49-F238E27FC236}">
+                <a16:creationId xmlns:a16="http://schemas.microsoft.com/office/drawing/2014/main" id="{BFAB9CF6-0B98-4E5B-967D-10EF5C64001A}"/>
+              </a:ext>
+            </a:extLst>
+          </p:cNvPr>
+          <p:cNvPicPr>
+            <a:picLocks noGrp="1" noChangeAspect="1" noChangeArrowheads="1"/>
+          </p:cNvPicPr>
           <p:nvPr>
             <p:ph idx="1"/>
           </p:nvPr>
-        </p:nvSpPr>
-        <p:spPr/>
-        <p:txBody>
-          <a:bodyPr/>
-          <a:lstStyle/>
-          <a:p>
-            <a:r>
-              <a:rPr lang="en-US" dirty="0"/>
-              <a:t>To get a z score from a </a:t>
-            </a:r>
-            <a:r>
-              <a:rPr lang="en-US" i="1" dirty="0"/>
-              <a:t>p</a:t>
-            </a:r>
-            <a:r>
-              <a:rPr lang="en-US" dirty="0"/>
-              <a:t> value: </a:t>
-            </a:r>
-          </a:p>
-          <a:p>
-            <a:r>
-              <a:rPr lang="en-US" dirty="0" err="1"/>
-              <a:t>qnorm</a:t>
-            </a:r>
-            <a:r>
-              <a:rPr lang="en-US" dirty="0"/>
-              <a:t>(</a:t>
-            </a:r>
-            <a:r>
-              <a:rPr lang="en-US" i="1" dirty="0"/>
-              <a:t>p</a:t>
-            </a:r>
-            <a:r>
-              <a:rPr lang="en-US" dirty="0"/>
-              <a:t>, </a:t>
-            </a:r>
-            <a:r>
-              <a:rPr lang="en-US" dirty="0" err="1"/>
-              <a:t>lower.tail</a:t>
-            </a:r>
-            <a:r>
-              <a:rPr lang="en-US" dirty="0"/>
-              <a:t> = </a:t>
-            </a:r>
-            <a:r>
-              <a:rPr lang="en-US" i="1" dirty="0"/>
-              <a:t>F</a:t>
-            </a:r>
-            <a:r>
-              <a:rPr lang="en-US" dirty="0"/>
-              <a:t>)</a:t>
-            </a:r>
-          </a:p>
-          <a:p>
-            <a:pPr lvl="1"/>
-            <a:r>
-              <a:rPr lang="en-US" dirty="0" err="1"/>
-              <a:t>lower.tail</a:t>
-            </a:r>
-            <a:r>
-              <a:rPr lang="en-US" dirty="0"/>
-              <a:t> depends on what you want (options are T or F)</a:t>
-            </a:r>
-          </a:p>
-        </p:txBody>
-      </p:sp>
+        </p:nvPicPr>
+        <p:blipFill>
+          <a:blip r:embed="rId3"/>
+          <a:srcRect/>
+          <a:stretch>
+            <a:fillRect/>
+          </a:stretch>
+        </p:blipFill>
+        <p:spPr bwMode="auto">
+          <a:xfrm>
+            <a:off x="762015" y="2204475"/>
+            <a:ext cx="7588180" cy="3543680"/>
+          </a:xfrm>
+          <a:prstGeom prst="rect">
+            <a:avLst/>
+          </a:prstGeom>
+          <a:noFill/>
+          <a:ln w="9525">
+            <a:noFill/>
+            <a:miter lim="800000"/>
+            <a:headEnd/>
+            <a:tailEnd/>
+          </a:ln>
+        </p:spPr>
+      </p:pic>
     </p:spTree>
     <p:extLst>
       <p:ext uri="{BB962C8B-B14F-4D97-AF65-F5344CB8AC3E}">
-        <p14:creationId xmlns:p14="http://schemas.microsoft.com/office/powerpoint/2010/main" val="2966810989"/>
+        <p14:creationId xmlns:p14="http://schemas.microsoft.com/office/powerpoint/2010/main" val="1658630723"/>
       </p:ext>
     </p:extLst>
   </p:cSld>
@@ -11208,7 +11350,7 @@
                       <a:noFill/>
                       <a:extLst>
                         <a:ext uri="{909E8E84-426E-40dd-AFC4-6F175D3DCCD1}">
-                          <a14:hiddenFill xmlns:a14="http://schemas.microsoft.com/office/drawing/2010/main" xmlns="">
+                          <a14:hiddenFill xmlns="" xmlns:a14="http://schemas.microsoft.com/office/drawing/2010/main">
                             <a:solidFill>
                               <a:srgbClr val="FFFFFF"/>
                             </a:solidFill>
@@ -11613,14 +11755,26 @@
           <a:lstStyle/>
           <a:p>
             <a:r>
+              <a:rPr lang="en-US" sz="2800" i="1" u="sng" dirty="0"/>
+              <a:t>z</a:t>
+            </a:r>
+            <a:r>
               <a:rPr lang="en-US" sz="2800" u="sng" dirty="0"/>
-              <a:t>z = M – </a:t>
-            </a:r>
-            <a:r>
-              <a:rPr lang="en-US" sz="2800" u="sng" dirty="0" err="1"/>
+              <a:t> = </a:t>
+            </a:r>
+            <a:r>
+              <a:rPr lang="en-US" sz="2800" i="1" u="sng" dirty="0"/>
+              <a:t>M</a:t>
+            </a:r>
+            <a:r>
+              <a:rPr lang="en-US" sz="2800" u="sng" dirty="0"/>
+              <a:t> – </a:t>
+            </a:r>
+            <a:r>
+              <a:rPr lang="en-US" sz="2800" i="1" u="sng" dirty="0" err="1"/>
               <a:t>μM</a:t>
             </a:r>
-            <a:endParaRPr lang="en-US" sz="2800" u="sng" dirty="0"/>
+            <a:endParaRPr lang="en-US" sz="2800" i="1" u="sng" dirty="0"/>
           </a:p>
           <a:p>
             <a:r>
@@ -11628,10 +11782,10 @@
               <a:t>	</a:t>
             </a:r>
             <a:r>
-              <a:rPr lang="en-US" sz="2800" dirty="0" err="1"/>
+              <a:rPr lang="en-US" sz="2800" i="1" dirty="0" err="1"/>
               <a:t>σM</a:t>
             </a:r>
-            <a:endParaRPr lang="en-US" sz="2800" dirty="0"/>
+            <a:endParaRPr lang="en-US" sz="2800" i="1" dirty="0"/>
           </a:p>
         </p:txBody>
       </p:sp>

--- a/Fall2018 Lecture Notes/Chapter 6 Lecture.pptx
+++ b/Fall2018 Lecture Notes/Chapter 6 Lecture.pptx
@@ -169,6 +169,35 @@
 </p:presentation>
 </file>
 
+<file path=ppt/changesInfos/changesInfo1.xml><?xml version="1.0" encoding="utf-8"?>
+<pc:chgInfo xmlns:a="http://schemas.openxmlformats.org/drawingml/2006/main" xmlns:r="http://schemas.openxmlformats.org/officeDocument/2006/relationships" xmlns:ac="http://schemas.microsoft.com/office/drawing/2013/main/command" xmlns:pc="http://schemas.microsoft.com/office/powerpoint/2013/main/command">
+  <pc:docChgLst>
+    <pc:chgData name="Tabetha Hopke" userId="5e7e88d54752368c" providerId="LiveId" clId="{F5925DAB-B085-4724-81AA-2F2804412CB3}"/>
+    <pc:docChg chg="modSld">
+      <pc:chgData name="Tabetha Hopke" userId="5e7e88d54752368c" providerId="LiveId" clId="{F5925DAB-B085-4724-81AA-2F2804412CB3}" dt="2018-08-08T11:24:41.492" v="3" actId="1035"/>
+      <pc:docMkLst>
+        <pc:docMk/>
+      </pc:docMkLst>
+      <pc:sldChg chg="modSp">
+        <pc:chgData name="Tabetha Hopke" userId="5e7e88d54752368c" providerId="LiveId" clId="{F5925DAB-B085-4724-81AA-2F2804412CB3}" dt="2018-08-08T11:24:41.492" v="3" actId="1035"/>
+        <pc:sldMkLst>
+          <pc:docMk/>
+          <pc:sldMk cId="4029766444" sldId="293"/>
+        </pc:sldMkLst>
+        <pc:spChg chg="mod">
+          <ac:chgData name="Tabetha Hopke" userId="5e7e88d54752368c" providerId="LiveId" clId="{F5925DAB-B085-4724-81AA-2F2804412CB3}" dt="2018-08-08T11:24:41.492" v="3" actId="1035"/>
+          <ac:spMkLst>
+            <pc:docMk/>
+            <pc:sldMk cId="4029766444" sldId="293"/>
+            <ac:spMk id="2" creationId="{3AADDD16-5FDE-4D13-8FBF-A87ADF56292D}"/>
+          </ac:spMkLst>
+        </pc:spChg>
+      </pc:sldChg>
+    </pc:docChg>
+  </pc:docChgLst>
+</pc:chgInfo>
+</file>
+
 <file path=ppt/handoutMasters/handoutMaster1.xml><?xml version="1.0" encoding="utf-8"?>
 <p:handoutMaster xmlns:a="http://schemas.openxmlformats.org/drawingml/2006/main" xmlns:r="http://schemas.openxmlformats.org/officeDocument/2006/relationships" xmlns:p="http://schemas.openxmlformats.org/presentationml/2006/main">
   <p:cSld>
@@ -251,7 +280,7 @@
           <a:p>
             <a:fld id="{7E9AD3E6-1F7A-594E-B8C4-3FD50DE712D3}" type="datetimeFigureOut">
               <a:rPr lang="en-US" smtClean="0"/>
-              <a:t>7/17/2018</a:t>
+              <a:t>8/8/2018</a:t>
             </a:fld>
             <a:endParaRPr lang="en-US"/>
           </a:p>
@@ -7312,7 +7341,7 @@
           <a:p>
             <a:fld id="{95E9B656-D433-434C-88DC-3EF676E8F653}" type="datetimeFigureOut">
               <a:rPr lang="en-US" smtClean="0"/>
-              <a:t>7/17/2018</a:t>
+              <a:t>8/8/2018</a:t>
             </a:fld>
             <a:endParaRPr lang="en-US"/>
           </a:p>
@@ -8257,7 +8286,7 @@
                       <a:noFill/>
                       <a:extLst>
                         <a:ext uri="{909E8E84-426E-40dd-AFC4-6F175D3DCCD1}">
-                          <a14:hiddenFill xmlns="" xmlns:a14="http://schemas.microsoft.com/office/drawing/2010/main">
+                          <a14:hiddenFill xmlns:a14="http://schemas.microsoft.com/office/drawing/2010/main" xmlns="">
                             <a:solidFill>
                               <a:srgbClr val="FFFFFF"/>
                             </a:solidFill>
@@ -8757,7 +8786,7 @@
                       <a:noFill/>
                       <a:extLst>
                         <a:ext uri="{909E8E84-426E-40dd-AFC4-6F175D3DCCD1}">
-                          <a14:hiddenFill xmlns="" xmlns:a14="http://schemas.microsoft.com/office/drawing/2010/main">
+                          <a14:hiddenFill xmlns:a14="http://schemas.microsoft.com/office/drawing/2010/main" xmlns="">
                             <a:solidFill>
                               <a:srgbClr val="FFFFFF"/>
                             </a:solidFill>
@@ -8910,7 +8939,7 @@
                       <a:noFill/>
                       <a:extLst>
                         <a:ext uri="{909E8E84-426E-40dd-AFC4-6F175D3DCCD1}">
-                          <a14:hiddenFill xmlns="" xmlns:a14="http://schemas.microsoft.com/office/drawing/2010/main">
+                          <a14:hiddenFill xmlns:a14="http://schemas.microsoft.com/office/drawing/2010/main" xmlns="">
                             <a:solidFill>
                               <a:srgbClr val="FFFFFF"/>
                             </a:solidFill>
@@ -11350,7 +11379,7 @@
                       <a:noFill/>
                       <a:extLst>
                         <a:ext uri="{909E8E84-426E-40dd-AFC4-6F175D3DCCD1}">
-                          <a14:hiddenFill xmlns="" xmlns:a14="http://schemas.microsoft.com/office/drawing/2010/main">
+                          <a14:hiddenFill xmlns:a14="http://schemas.microsoft.com/office/drawing/2010/main" xmlns="">
                             <a:solidFill>
                               <a:srgbClr val="FFFFFF"/>
                             </a:solidFill>
@@ -11740,7 +11769,7 @@
         </p:nvSpPr>
         <p:spPr>
           <a:xfrm>
-            <a:off x="3680459" y="3857414"/>
+            <a:off x="3680459" y="3886200"/>
             <a:ext cx="1828800" cy="954107"/>
           </a:xfrm>
           <a:prstGeom prst="rect">
@@ -11772,9 +11801,13 @@
             </a:r>
             <a:r>
               <a:rPr lang="en-US" sz="2800" i="1" u="sng" dirty="0" err="1"/>
-              <a:t>μM</a:t>
-            </a:r>
-            <a:endParaRPr lang="en-US" sz="2800" i="1" u="sng" dirty="0"/>
+              <a:t>μ</a:t>
+            </a:r>
+            <a:r>
+              <a:rPr lang="en-US" sz="2800" i="1" u="sng" baseline="-25000" dirty="0" err="1"/>
+              <a:t>M</a:t>
+            </a:r>
+            <a:endParaRPr lang="en-US" sz="2800" i="1" u="sng" baseline="-25000" dirty="0"/>
           </a:p>
           <a:p>
             <a:r>
@@ -11783,9 +11816,13 @@
             </a:r>
             <a:r>
               <a:rPr lang="en-US" sz="2800" i="1" dirty="0" err="1"/>
-              <a:t>σM</a:t>
-            </a:r>
-            <a:endParaRPr lang="en-US" sz="2800" i="1" dirty="0"/>
+              <a:t>σ</a:t>
+            </a:r>
+            <a:r>
+              <a:rPr lang="en-US" sz="2800" i="1" baseline="-25000" dirty="0" err="1"/>
+              <a:t>M</a:t>
+            </a:r>
+            <a:endParaRPr lang="en-US" sz="2800" i="1" baseline="-25000" dirty="0"/>
           </a:p>
         </p:txBody>
       </p:sp>
